--- a/master/source/res/media/hotel departement privé.pptx
+++ b/master/source/res/media/hotel departement privé.pptx
@@ -5,10 +5,10 @@
     <p:sldMasterId id="2147483648" r:id="rId1"/>
   </p:sldMasterIdLst>
   <p:sldIdLst>
-    <p:sldId id="256" r:id="rId3"/>
+    <p:sldId id="256" r:id="rId2"/>
   </p:sldIdLst>
-  <p:sldSz cx="8704800" cy="5943600"/>
-  <p:notesSz cx="8704800" cy="5943600"/>
+  <p:sldSz cx="8704263" cy="5943600"/>
+  <p:notesSz cx="8704263" cy="5943600"/>
   <p:defaultTextStyle>
     <a:defPPr>
       <a:defRPr lang="uk-UA"/>
@@ -26,7 +26,7 @@
   </p:defaultTextStyle>
   <p:extLst>
     <p:ext uri="{EFAFB233-063F-42B5-8137-9DF3F51BA10A}">
-      <p15:sldGuideLst xmlns:p15="http://schemas.microsoft.com/office/powers_Point/2012/main"/>
+      <p15:sldGuideLst xmlns:p15="http://schemas.microsoft.com/office/powerpoint/2012/main"/>
     </p:ext>
   </p:extLst>
 </p:presentation>
@@ -73,7 +73,7 @@
           <a:lstStyle/>
           <a:p>
             <a:r>
-              <a:rPr lang="ru-RU" smtClean="0"/>
+              <a:rPr lang="ru-RU"/>
               <a:t>Образец заголовка</a:t>
             </a:r>
             <a:endParaRPr lang="uk-UA"/>
@@ -105,35 +105,35 @@
           <a:p>
             <a:pPr lvl="0"/>
             <a:r>
-              <a:rPr lang="ru-RU" smtClean="0"/>
+              <a:rPr lang="ru-RU"/>
               <a:t>Образец текста</a:t>
             </a:r>
           </a:p>
           <a:p>
             <a:pPr lvl="1"/>
             <a:r>
-              <a:rPr lang="ru-RU" smtClean="0"/>
+              <a:rPr lang="ru-RU"/>
               <a:t>Второй уровень</a:t>
             </a:r>
           </a:p>
           <a:p>
             <a:pPr lvl="2"/>
             <a:r>
-              <a:rPr lang="ru-RU" smtClean="0"/>
+              <a:rPr lang="ru-RU"/>
               <a:t>Третий уровень</a:t>
             </a:r>
           </a:p>
           <a:p>
             <a:pPr lvl="3"/>
             <a:r>
-              <a:rPr lang="ru-RU" smtClean="0"/>
+              <a:rPr lang="ru-RU"/>
               <a:t>Четвертый уровень</a:t>
             </a:r>
           </a:p>
           <a:p>
             <a:pPr lvl="4"/>
             <a:r>
-              <a:rPr lang="ru-RU" smtClean="0"/>
+              <a:rPr lang="ru-RU"/>
               <a:t>Пятый уровень</a:t>
             </a:r>
             <a:endParaRPr lang="uk-UA"/>
@@ -584,7 +584,7 @@
               <a:xfrm>
                 <a:off x="4344090" y="-2"/>
                 <a:ext cx="2191364" cy="1476500"/>
-                <a:chOff x="-0" y="0"/>
+                <a:chOff x="0" y="0"/>
                 <a:chExt cx="2191364" cy="1476500"/>
               </a:xfrm>
             </p:grpSpPr>
@@ -596,7 +596,7 @@
               </p:nvGrpSpPr>
               <p:grpSpPr>
                 <a:xfrm>
-                  <a:off x="-0" y="0"/>
+                  <a:off x="0" y="0"/>
                   <a:ext cx="2191364" cy="1476500"/>
                   <a:chOff x="0" y="0"/>
                   <a:chExt cx="2191364" cy="1476500"/>
@@ -808,7 +808,7 @@
                           <a:cxnLst/>
                           <a:rect l="l" t="t" r="r" b="b"/>
                           <a:pathLst>
-                            <a:path fill="none" h="1083579" w="1331258">
+                            <a:path w="1331258" h="1083579" fill="none">
                               <a:moveTo>
                                 <a:pt x="0" y="0"/>
                               </a:moveTo>
@@ -867,7 +867,7 @@
                           <a:cxnLst/>
                           <a:rect l="l" t="t" r="r" b="b"/>
                           <a:pathLst>
-                            <a:path fill="none" h="1083579" w="1331258">
+                            <a:path w="1331258" h="1083579" fill="none">
                               <a:moveTo>
                                 <a:pt x="1331258" y="0"/>
                               </a:moveTo>
@@ -1560,7 +1560,7 @@
                 <p:nvPr/>
               </p:nvGrpSpPr>
               <p:grpSpPr>
-                <a:xfrm flipV="1" rot="5400001">
+                <a:xfrm rot="5400001" flipV="1">
                   <a:off x="-123837" y="249344"/>
                   <a:ext cx="1331257" cy="1083580"/>
                   <a:chOff x="-123837" y="249344"/>
@@ -1661,7 +1661,7 @@
                     <a:cxnLst/>
                     <a:rect l="l" t="t" r="r" b="b"/>
                     <a:pathLst>
-                      <a:path fill="none" h="1083580" w="1331257">
+                      <a:path w="1331257" h="1083580" fill="none">
                         <a:moveTo>
                           <a:pt x="0" y="0"/>
                         </a:moveTo>
@@ -1720,7 +1720,7 @@
                     <a:cxnLst/>
                     <a:rect l="l" t="t" r="r" b="b"/>
                     <a:pathLst>
-                      <a:path fill="none" h="1083580" w="1331257">
+                      <a:path w="1331257" h="1083580" fill="none">
                         <a:moveTo>
                           <a:pt x="1331257" y="0"/>
                         </a:moveTo>
@@ -1883,7 +1883,7 @@
                 <p:nvPr/>
               </p:nvGrpSpPr>
               <p:grpSpPr>
-                <a:xfrm flipV="1" rot="3543">
+                <a:xfrm rot="3543" flipV="1">
                   <a:off x="1018678" y="584"/>
                   <a:ext cx="1132047" cy="1257300"/>
                   <a:chOff x="1018678" y="584"/>
@@ -2501,6 +2501,7 @@
                   <a:pos x="connsiteX4" y="connsiteY4"/>
                 </a:cxn>
               </a:cxnLst>
+              <a:rect l="0" t="0" r="0" b="0"/>
               <a:pathLst>
                 <a:path w="6535454" h="4582686">
                   <a:moveTo>
@@ -2811,7 +2812,7 @@
                 </a:lnTo>
                 <a:close/>
               </a:path>
-              <a:path fill="none" h="221960" w="221960">
+              <a:path w="221960" h="221960" fill="none">
                 <a:moveTo>
                   <a:pt x="0" y="0"/>
                 </a:moveTo>
@@ -2819,7 +2820,7 @@
                   <a:pt x="221960" y="221960"/>
                 </a:lnTo>
               </a:path>
-              <a:path fill="none" h="221960" w="221960">
+              <a:path w="221960" h="221960" fill="none">
                 <a:moveTo>
                   <a:pt x="0" y="221960"/>
                 </a:moveTo>
@@ -2983,7 +2984,7 @@
                   </a:lnTo>
                   <a:close/>
                 </a:path>
-                <a:path fill="none" h="187698" w="251791">
+                <a:path w="251791" h="187698" fill="none">
                   <a:moveTo>
                     <a:pt x="251791" y="0"/>
                   </a:moveTo>
@@ -3068,7 +3069,7 @@
                   </a:lnTo>
                   <a:close/>
                 </a:path>
-                <a:path fill="none" h="187698" w="251791">
+                <a:path w="251791" h="187698" fill="none">
                   <a:moveTo>
                     <a:pt x="251791" y="0"/>
                   </a:moveTo>
@@ -3353,6 +3354,7 @@
                   <a:pos x="connsiteX0" y="connsiteY0"/>
                 </a:cxn>
               </a:cxnLst>
+              <a:rect l="0" t="0" r="0" b="0"/>
               <a:pathLst>
                 <a:path w="898107" h="265050">
                   <a:moveTo>
@@ -3429,7 +3431,7 @@
                 </a:lnTo>
                 <a:close/>
               </a:path>
-              <a:path fill="none" h="221960" w="221960">
+              <a:path w="221960" h="221960" fill="none">
                 <a:moveTo>
                   <a:pt x="0" y="0"/>
                 </a:moveTo>
@@ -3437,7 +3439,7 @@
                   <a:pt x="221960" y="221960"/>
                 </a:lnTo>
               </a:path>
-              <a:path fill="none" h="221960" w="221960">
+              <a:path w="221960" h="221960" fill="none">
                 <a:moveTo>
                   <a:pt x="0" y="221960"/>
                 </a:moveTo>
@@ -3511,7 +3513,7 @@
           <p:nvPr/>
         </p:nvGrpSpPr>
         <p:grpSpPr>
-          <a:xfrm flipV="1" rot="16200000">
+          <a:xfrm rot="16200000" flipV="1">
             <a:off x="476613" y="1886847"/>
             <a:ext cx="3385138" cy="799706"/>
             <a:chOff x="476613" y="1886847"/>
@@ -3620,7 +3622,7 @@
                 <a:cxnLst/>
                 <a:rect l="l" t="t" r="r" b="b"/>
                 <a:pathLst>
-                  <a:path fill="none" h="720000" w="360000">
+                  <a:path w="360000" h="720000" fill="none">
                     <a:moveTo>
                       <a:pt x="0" y="0"/>
                     </a:moveTo>
@@ -3765,7 +3767,7 @@
                 <a:cxnLst/>
                 <a:rect l="l" t="t" r="r" b="b"/>
                 <a:pathLst>
-                  <a:path fill="none" h="720000" w="360000">
+                  <a:path w="360000" h="720000" fill="none">
                     <a:moveTo>
                       <a:pt x="0" y="0"/>
                     </a:moveTo>
@@ -3910,7 +3912,7 @@
                 <a:cxnLst/>
                 <a:rect l="l" t="t" r="r" b="b"/>
                 <a:pathLst>
-                  <a:path fill="none" h="720000" w="360000">
+                  <a:path w="360000" h="720000" fill="none">
                     <a:moveTo>
                       <a:pt x="0" y="0"/>
                     </a:moveTo>
@@ -4055,7 +4057,7 @@
                 <a:cxnLst/>
                 <a:rect l="l" t="t" r="r" b="b"/>
                 <a:pathLst>
-                  <a:path fill="none" h="720000" w="360000">
+                  <a:path w="360000" h="720000" fill="none">
                     <a:moveTo>
                       <a:pt x="0" y="0"/>
                     </a:moveTo>
@@ -4200,7 +4202,7 @@
                 <a:cxnLst/>
                 <a:rect l="l" t="t" r="r" b="b"/>
                 <a:pathLst>
-                  <a:path fill="none" h="720000" w="360000">
+                  <a:path w="360000" h="720000" fill="none">
                     <a:moveTo>
                       <a:pt x="0" y="0"/>
                     </a:moveTo>
@@ -4345,7 +4347,7 @@
                 <a:cxnLst/>
                 <a:rect l="l" t="t" r="r" b="b"/>
                 <a:pathLst>
-                  <a:path fill="none" h="720000" w="360000">
+                  <a:path w="360000" h="720000" fill="none">
                     <a:moveTo>
                       <a:pt x="0" y="0"/>
                     </a:moveTo>
@@ -4490,7 +4492,7 @@
                 <a:cxnLst/>
                 <a:rect l="l" t="t" r="r" b="b"/>
                 <a:pathLst>
-                  <a:path fill="none" h="720000" w="360000">
+                  <a:path w="360000" h="720000" fill="none">
                     <a:moveTo>
                       <a:pt x="0" y="0"/>
                     </a:moveTo>
@@ -4635,7 +4637,7 @@
                 <a:cxnLst/>
                 <a:rect l="l" t="t" r="r" b="b"/>
                 <a:pathLst>
-                  <a:path fill="none" h="720000" w="360000">
+                  <a:path w="360000" h="720000" fill="none">
                     <a:moveTo>
                       <a:pt x="0" y="0"/>
                     </a:moveTo>
@@ -4973,7 +4975,7 @@
           <p:nvPr/>
         </p:nvGrpSpPr>
         <p:grpSpPr>
-          <a:xfrm flipV="1" rot="16200000">
+          <a:xfrm rot="16200000" flipV="1">
             <a:off x="1803795" y="1846207"/>
             <a:ext cx="3385138" cy="799706"/>
             <a:chOff x="1803795" y="1846207"/>
@@ -5082,7 +5084,7 @@
                 <a:cxnLst/>
                 <a:rect l="l" t="t" r="r" b="b"/>
                 <a:pathLst>
-                  <a:path fill="none" h="720000" w="360000">
+                  <a:path w="360000" h="720000" fill="none">
                     <a:moveTo>
                       <a:pt x="0" y="0"/>
                     </a:moveTo>
@@ -5227,7 +5229,7 @@
                 <a:cxnLst/>
                 <a:rect l="l" t="t" r="r" b="b"/>
                 <a:pathLst>
-                  <a:path fill="none" h="720000" w="360000">
+                  <a:path w="360000" h="720000" fill="none">
                     <a:moveTo>
                       <a:pt x="0" y="0"/>
                     </a:moveTo>
@@ -5372,7 +5374,7 @@
                 <a:cxnLst/>
                 <a:rect l="l" t="t" r="r" b="b"/>
                 <a:pathLst>
-                  <a:path fill="none" h="720000" w="360000">
+                  <a:path w="360000" h="720000" fill="none">
                     <a:moveTo>
                       <a:pt x="0" y="0"/>
                     </a:moveTo>
@@ -5517,7 +5519,7 @@
                 <a:cxnLst/>
                 <a:rect l="l" t="t" r="r" b="b"/>
                 <a:pathLst>
-                  <a:path fill="none" h="720000" w="360000">
+                  <a:path w="360000" h="720000" fill="none">
                     <a:moveTo>
                       <a:pt x="0" y="0"/>
                     </a:moveTo>
@@ -5662,7 +5664,7 @@
                 <a:cxnLst/>
                 <a:rect l="l" t="t" r="r" b="b"/>
                 <a:pathLst>
-                  <a:path fill="none" h="720000" w="360000">
+                  <a:path w="360000" h="720000" fill="none">
                     <a:moveTo>
                       <a:pt x="0" y="0"/>
                     </a:moveTo>
@@ -5807,7 +5809,7 @@
                 <a:cxnLst/>
                 <a:rect l="l" t="t" r="r" b="b"/>
                 <a:pathLst>
-                  <a:path fill="none" h="720000" w="360000">
+                  <a:path w="360000" h="720000" fill="none">
                     <a:moveTo>
                       <a:pt x="0" y="0"/>
                     </a:moveTo>
@@ -5952,7 +5954,7 @@
                 <a:cxnLst/>
                 <a:rect l="l" t="t" r="r" b="b"/>
                 <a:pathLst>
-                  <a:path fill="none" h="720000" w="360000">
+                  <a:path w="360000" h="720000" fill="none">
                     <a:moveTo>
                       <a:pt x="0" y="0"/>
                     </a:moveTo>
@@ -6097,7 +6099,7 @@
                 <a:cxnLst/>
                 <a:rect l="l" t="t" r="r" b="b"/>
                 <a:pathLst>
-                  <a:path fill="none" h="720000" w="360000">
+                  <a:path w="360000" h="720000" fill="none">
                     <a:moveTo>
                       <a:pt x="0" y="0"/>
                     </a:moveTo>
@@ -6435,7 +6437,7 @@
           <p:nvPr/>
         </p:nvGrpSpPr>
         <p:grpSpPr>
-          <a:xfrm flipV="1" rot="5400001">
+          <a:xfrm rot="5400001" flipV="1">
             <a:off x="-1039329" y="1809377"/>
             <a:ext cx="3650864" cy="800310"/>
             <a:chOff x="-1039329" y="1809377"/>
@@ -6544,7 +6546,7 @@
                 <a:cxnLst/>
                 <a:rect l="l" t="t" r="r" b="b"/>
                 <a:pathLst>
-                  <a:path fill="none" h="720000" w="360000">
+                  <a:path w="360000" h="720000" fill="none">
                     <a:moveTo>
                       <a:pt x="0" y="0"/>
                     </a:moveTo>
@@ -6689,7 +6691,7 @@
                 <a:cxnLst/>
                 <a:rect l="l" t="t" r="r" b="b"/>
                 <a:pathLst>
-                  <a:path fill="none" h="720000" w="360000">
+                  <a:path w="360000" h="720000" fill="none">
                     <a:moveTo>
                       <a:pt x="0" y="0"/>
                     </a:moveTo>
@@ -6834,7 +6836,7 @@
                 <a:cxnLst/>
                 <a:rect l="l" t="t" r="r" b="b"/>
                 <a:pathLst>
-                  <a:path fill="none" h="720000" w="360000">
+                  <a:path w="360000" h="720000" fill="none">
                     <a:moveTo>
                       <a:pt x="0" y="0"/>
                     </a:moveTo>
@@ -6979,7 +6981,7 @@
                 <a:cxnLst/>
                 <a:rect l="l" t="t" r="r" b="b"/>
                 <a:pathLst>
-                  <a:path fill="none" h="720000" w="360000">
+                  <a:path w="360000" h="720000" fill="none">
                     <a:moveTo>
                       <a:pt x="0" y="0"/>
                     </a:moveTo>
@@ -7124,7 +7126,7 @@
                 <a:cxnLst/>
                 <a:rect l="l" t="t" r="r" b="b"/>
                 <a:pathLst>
-                  <a:path fill="none" h="720000" w="360000">
+                  <a:path w="360000" h="720000" fill="none">
                     <a:moveTo>
                       <a:pt x="0" y="0"/>
                     </a:moveTo>
@@ -7269,7 +7271,7 @@
                 <a:cxnLst/>
                 <a:rect l="l" t="t" r="r" b="b"/>
                 <a:pathLst>
-                  <a:path fill="none" h="720000" w="360000">
+                  <a:path w="360000" h="720000" fill="none">
                     <a:moveTo>
                       <a:pt x="0" y="0"/>
                     </a:moveTo>
@@ -7414,7 +7416,7 @@
                 <a:cxnLst/>
                 <a:rect l="l" t="t" r="r" b="b"/>
                 <a:pathLst>
-                  <a:path fill="none" h="720000" w="360000">
+                  <a:path w="360000" h="720000" fill="none">
                     <a:moveTo>
                       <a:pt x="0" y="0"/>
                     </a:moveTo>
@@ -7559,7 +7561,7 @@
                 <a:cxnLst/>
                 <a:rect l="l" t="t" r="r" b="b"/>
                 <a:pathLst>
-                  <a:path fill="none" h="720000" w="360000">
+                  <a:path w="360000" h="720000" fill="none">
                     <a:moveTo>
                       <a:pt x="0" y="0"/>
                     </a:moveTo>
@@ -7745,7 +7747,7 @@
                 <a:cxnLst/>
                 <a:rect l="l" t="t" r="r" b="b"/>
                 <a:pathLst>
-                  <a:path fill="none" h="720000" w="360000">
+                  <a:path w="360000" h="720000" fill="none">
                     <a:moveTo>
                       <a:pt x="0" y="0"/>
                     </a:moveTo>
@@ -8007,8 +8009,8 @@
                     <a:moveTo>
                       <a:pt x="35241" y="17621"/>
                     </a:moveTo>
-                    <a:arcTo hR="17621" wR="17621" stAng="0" swAng="-10800002"/>
-                    <a:arcTo hR="17621" wR="17621" stAng="10800000" swAng="-10800000"/>
+                    <a:arcTo wR="17621" hR="17621" stAng="0" swAng="-10800002"/>
+                    <a:arcTo wR="17621" hR="17621" stAng="10800000" swAng="-10800000"/>
                     <a:close/>
                   </a:path>
                 </a:pathLst>
@@ -8364,8 +8366,8 @@
                     <a:moveTo>
                       <a:pt x="35241" y="17621"/>
                     </a:moveTo>
-                    <a:arcTo hR="17621" wR="17621" stAng="0" swAng="-10800002"/>
-                    <a:arcTo hR="17621" wR="17621" stAng="10800000" swAng="-10800000"/>
+                    <a:arcTo wR="17621" hR="17621" stAng="0" swAng="-10800002"/>
+                    <a:arcTo wR="17621" hR="17621" stAng="10800000" swAng="-10800000"/>
                     <a:close/>
                   </a:path>
                 </a:pathLst>
@@ -8512,7 +8514,7 @@
         <p:spPr>
           <a:xfrm>
             <a:off x="7218508" y="876511"/>
-            <a:ext cx="1260376" cy="4591424"/>
+            <a:ext cx="1260376" cy="3621598"/>
           </a:xfrm>
           <a:custGeom>
             <a:avLst/>
@@ -8575,121 +8577,6 @@
       </p:sp>
       <p:grpSp>
         <p:nvGrpSpPr>
-          <p:cNvPr id="195" name="H"/>
-          <p:cNvGrpSpPr/>
-          <p:nvPr/>
-        </p:nvGrpSpPr>
-        <p:grpSpPr>
-          <a:xfrm>
-            <a:off x="7347220" y="3581785"/>
-            <a:ext cx="991959" cy="202573"/>
-            <a:chOff x="7347220" y="3581785"/>
-            <a:chExt cx="991959" cy="202573"/>
-          </a:xfrm>
-        </p:grpSpPr>
-        <p:sp>
-          <p:nvSpPr>
-            <p:cNvPr id="196" name="No name"/>
-            <p:cNvSpPr/>
-            <p:nvPr/>
-          </p:nvSpPr>
-          <p:spPr>
-            <a:xfrm>
-              <a:off x="7347220" y="3581785"/>
-              <a:ext cx="991959" cy="202573"/>
-            </a:xfrm>
-            <a:custGeom>
-              <a:avLst/>
-              <a:gdLst/>
-              <a:ahLst/>
-              <a:cxnLst/>
-              <a:rect l="l" t="t" r="r" b="b"/>
-              <a:pathLst>
-                <a:path w="991959" h="202573">
-                  <a:moveTo>
-                    <a:pt x="0" y="0"/>
-                  </a:moveTo>
-                  <a:lnTo>
-                    <a:pt x="0" y="202573"/>
-                  </a:lnTo>
-                  <a:lnTo>
-                    <a:pt x="991959" y="202573"/>
-                  </a:lnTo>
-                  <a:lnTo>
-                    <a:pt x="991959" y="0"/>
-                  </a:lnTo>
-                  <a:lnTo>
-                    <a:pt x="0" y="0"/>
-                  </a:lnTo>
-                  <a:close/>
-                </a:path>
-              </a:pathLst>
-            </a:custGeom>
-            <a:solidFill>
-              <a:srgbClr val="000000">
-                <a:alpha val="100"/>
-              </a:srgbClr>
-            </a:solidFill>
-            <a:ln w="28800" cap="rnd">
-              <a:solidFill>
-                <a:srgbClr val="FFFFFF">
-                  <a:alpha val="100"/>
-                </a:srgbClr>
-              </a:solidFill>
-              <a:headEnd type="none" w="med" len="med"/>
-              <a:tailEnd type="none" w="med" len="med"/>
-            </a:ln>
-          </p:spPr>
-          <p:style>
-            <a:lnRef idx="2">
-              <a:schemeClr val="accent1">
-                <a:shade val="50000"/>
-              </a:schemeClr>
-            </a:lnRef>
-            <a:fillRef idx="1">
-              <a:schemeClr val="accent1"/>
-            </a:fillRef>
-            <a:effectRef idx="0">
-              <a:schemeClr val="accent1"/>
-            </a:effectRef>
-            <a:fontRef idx="minor">
-              <a:schemeClr val="lt1"/>
-            </a:fontRef>
-          </p:style>
-        </p:sp>
-        <p:sp>
-          <p:nvSpPr>
-            <p:cNvPr id="197" name="@"/>
-            <p:cNvSpPr/>
-            <p:nvPr/>
-          </p:nvSpPr>
-          <p:spPr>
-            <a:xfrm>
-              <a:off x="7347220" y="3581785"/>
-              <a:ext cx="991959" cy="202573"/>
-            </a:xfrm>
-          </p:spPr>
-          <p:txBody>
-            <a:bodyPr wrap="square" lIns="10800" tIns="10800" rIns="10800" bIns="10800" rtlCol="0" anchor="ctr"/>
-            <a:lstStyle/>
-            <a:p>
-              <a:pPr defTabSz="457200"/>
-              <a:r>
-                <a:rPr kern="100" spc="-9" dirty="0" sz="1100">
-                  <a:solidFill>
-                    <a:srgbClr val="252525"/>
-                  </a:solidFill>
-                  <a:latin typeface="Tahoma"/>
-                </a:rPr>
-                <a:t>Automate de paiement</a:t>
-              </a:r>
-              <a:endParaRPr kern="100" dirty="0"/>
-            </a:p>
-          </p:txBody>
-        </p:sp>
-      </p:grpSp>
-      <p:grpSp>
-        <p:nvGrpSpPr>
           <p:cNvPr id="198" name="H"/>
           <p:cNvGrpSpPr/>
           <p:nvPr/>
@@ -8790,7 +8677,7 @@
             <a:p>
               <a:pPr defTabSz="457200"/>
               <a:r>
-                <a:rPr kern="100" spc="-9" dirty="0" sz="1100">
+                <a:rPr sz="1100" kern="100" spc="-9" dirty="0">
                   <a:solidFill>
                     <a:srgbClr val="252525"/>
                   </a:solidFill>
@@ -8839,7 +8726,7 @@
                 </a:lnTo>
                 <a:close/>
               </a:path>
-              <a:path fill="none" h="183966" w="183967">
+              <a:path w="183967" h="183966" fill="none">
                 <a:moveTo>
                   <a:pt x="0" y="0"/>
                 </a:moveTo>
@@ -8847,7 +8734,7 @@
                   <a:pt x="183967" y="183966"/>
                 </a:lnTo>
               </a:path>
-              <a:path fill="none" h="183966" w="183967">
+              <a:path w="183967" h="183966" fill="none">
                 <a:moveTo>
                   <a:pt x="0" y="183966"/>
                 </a:moveTo>
@@ -9106,90 +8993,6 @@
           </p:style>
         </p:sp>
       </p:grpSp>
-      <p:sp>
-        <p:nvSpPr>
-          <p:cNvPr id="206" name="Security booth"/>
-          <p:cNvSpPr/>
-          <p:nvPr/>
-        </p:nvSpPr>
-        <p:spPr>
-          <a:xfrm>
-            <a:off x="7365764" y="3128271"/>
-            <a:ext cx="174174" cy="318173"/>
-          </a:xfrm>
-          <a:custGeom>
-            <a:avLst/>
-            <a:gdLst/>
-            <a:ahLst/>
-            <a:cxnLst/>
-            <a:rect l="l" t="t" r="r" b="b"/>
-            <a:pathLst>
-              <a:path w="174174" h="318173">
-                <a:moveTo>
-                  <a:pt x="0" y="0"/>
-                </a:moveTo>
-                <a:lnTo>
-                  <a:pt x="174174" y="0"/>
-                </a:lnTo>
-                <a:lnTo>
-                  <a:pt x="174174" y="318173"/>
-                </a:lnTo>
-                <a:lnTo>
-                  <a:pt x="0" y="318173"/>
-                </a:lnTo>
-                <a:lnTo>
-                  <a:pt x="0" y="0"/>
-                </a:lnTo>
-                <a:close/>
-              </a:path>
-              <a:path fill="none" h="318173" w="174174">
-                <a:moveTo>
-                  <a:pt x="0" y="0"/>
-                </a:moveTo>
-                <a:lnTo>
-                  <a:pt x="174174" y="318173"/>
-                </a:lnTo>
-              </a:path>
-              <a:path fill="none" h="318173" w="174174">
-                <a:moveTo>
-                  <a:pt x="0" y="318173"/>
-                </a:moveTo>
-                <a:lnTo>
-                  <a:pt x="174174" y="0"/>
-                </a:lnTo>
-              </a:path>
-            </a:pathLst>
-          </a:custGeom>
-          <a:solidFill>
-            <a:srgbClr val="9823B6">
-              <a:alpha val="100000"/>
-            </a:srgbClr>
-          </a:solidFill>
-          <a:ln w="14400" cap="rnd">
-            <a:solidFill>
-              <a:srgbClr val="EFEFEF"/>
-            </a:solidFill>
-            <a:headEnd type="none" w="med" len="med"/>
-            <a:tailEnd type="none" w="med" len="med"/>
-          </a:ln>
-        </p:spPr>
-        <p:style>
-          <a:lnRef idx="2">
-            <a:schemeClr val="accent1">
-              <a:shade val="50000"/>
-            </a:schemeClr>
-          </a:lnRef>
-          <a:fillRef idx="1">
-            <a:schemeClr val="accent1"/>
-          </a:fillRef>
-          <a:effectRef idx="0">
-            <a:schemeClr val="accent1"/>
-          </a:effectRef>
-          <a:fontRef idx="minor">
-            <a:schemeClr val="lt1"/>
-          </a:fontRef>
-        </p:style>
-      </p:sp>
       <p:grpSp>
         <p:nvGrpSpPr>
           <p:cNvPr id="207" name="Dumpster"/>
@@ -9314,7 +9117,7 @@
                   </a:lnTo>
                   <a:close/>
                 </a:path>
-                <a:path fill="none" h="187698" w="251790">
+                <a:path w="251790" h="187698" fill="none">
                   <a:moveTo>
                     <a:pt x="251790" y="0"/>
                   </a:moveTo>
@@ -9399,7 +9202,7 @@
                   </a:lnTo>
                   <a:close/>
                 </a:path>
-                <a:path fill="none" h="187698" w="251790">
+                <a:path w="251790" h="187698" fill="none">
                   <a:moveTo>
                     <a:pt x="251790" y="0"/>
                   </a:moveTo>
@@ -9545,7 +9348,7 @@
             <a:p>
               <a:pPr defTabSz="457200"/>
               <a:r>
-                <a:rPr kern="100" spc="-9" dirty="0" sz="1100">
+                <a:rPr sz="1100" kern="100" spc="-9" dirty="0">
                   <a:solidFill>
                     <a:srgbClr val="252525"/>
                   </a:solidFill>
@@ -9658,9 +9461,9 @@
             <a:bodyPr wrap="square" lIns="10800" tIns="10800" rIns="10800" bIns="10800" rtlCol="0" anchor="ctr"/>
             <a:lstStyle/>
             <a:p>
-              <a:pPr defTabSz="457200" algn="ctr"/>
+              <a:pPr algn="ctr" defTabSz="457200"/>
               <a:r>
-                <a:rPr kern="100" spc="-9" dirty="0" sz="1400" b="1">
+                <a:rPr sz="1400" b="1" kern="100" spc="-9" dirty="0">
                   <a:solidFill>
                     <a:srgbClr val="252525"/>
                   </a:solidFill>
@@ -9670,9 +9473,9 @@
               </a:r>
             </a:p>
             <a:p>
-              <a:pPr defTabSz="457200" algn="ctr"/>
+              <a:pPr algn="ctr" defTabSz="457200"/>
               <a:r>
-                <a:rPr kern="100" spc="-9" dirty="0" sz="1400" b="1">
+                <a:rPr sz="1400" b="1" kern="100" spc="-9" dirty="0">
                   <a:solidFill>
                     <a:srgbClr val="252525"/>
                   </a:solidFill>
@@ -9787,7 +9590,7 @@
             <a:p>
               <a:pPr defTabSz="457200"/>
               <a:r>
-                <a:rPr kern="100" spc="-9" dirty="0" sz="1100">
+                <a:rPr sz="1100" kern="100" spc="-9" dirty="0">
                   <a:solidFill>
                     <a:srgbClr val="252525"/>
                   </a:solidFill>
@@ -9924,7 +9727,7 @@
                   </a:lnTo>
                   <a:close/>
                 </a:path>
-                <a:path fill="none" h="187698" w="251791">
+                <a:path w="251791" h="187698" fill="none">
                   <a:moveTo>
                     <a:pt x="251791" y="0"/>
                   </a:moveTo>
@@ -10009,7 +9812,7 @@
                   </a:lnTo>
                   <a:close/>
                 </a:path>
-                <a:path fill="none" h="187698" w="251791">
+                <a:path w="251791" h="187698" fill="none">
                   <a:moveTo>
                     <a:pt x="251791" y="0"/>
                   </a:moveTo>
@@ -10227,7 +10030,7 @@
         </p:nvSpPr>
         <p:spPr>
           <a:xfrm rot="1340663">
-            <a:off x="7413474" y="4084797"/>
+            <a:off x="7387793" y="3153338"/>
             <a:ext cx="194995" cy="125960"/>
           </a:xfrm>
           <a:custGeom>
@@ -10310,7 +10113,7 @@
         </p:nvGrpSpPr>
         <p:grpSpPr>
           <a:xfrm>
-            <a:off x="7366995" y="4338073"/>
+            <a:off x="7341314" y="3406614"/>
             <a:ext cx="991959" cy="202573"/>
             <a:chOff x="7366995" y="4338073"/>
             <a:chExt cx="991959" cy="202573"/>
@@ -10404,7 +10207,7 @@
             <a:p>
               <a:pPr defTabSz="457200"/>
               <a:r>
-                <a:rPr kern="100" spc="-9" dirty="0" sz="1100">
+                <a:rPr sz="1100" kern="100" spc="-9" dirty="0">
                   <a:solidFill>
                     <a:srgbClr val="252525"/>
                   </a:solidFill>
@@ -10508,7 +10311,7 @@
         </p:nvSpPr>
         <p:spPr>
           <a:xfrm rot="8837369">
-            <a:off x="7456737" y="4733450"/>
+            <a:off x="7431056" y="3801991"/>
             <a:ext cx="137225" cy="88643"/>
           </a:xfrm>
           <a:custGeom>
@@ -10591,7 +10394,7 @@
         </p:nvGrpSpPr>
         <p:grpSpPr>
           <a:xfrm>
-            <a:off x="7366995" y="4975708"/>
+            <a:off x="7341314" y="4044249"/>
             <a:ext cx="991959" cy="202573"/>
             <a:chOff x="7366995" y="4975708"/>
             <a:chExt cx="991959" cy="202573"/>
@@ -10685,7 +10488,7 @@
             <a:p>
               <a:pPr defTabSz="457200"/>
               <a:r>
-                <a:rPr kern="100" spc="-9" dirty="0" sz="1100">
+                <a:rPr sz="1100" kern="100" spc="-9" dirty="0">
                   <a:solidFill>
                     <a:srgbClr val="252525"/>
                   </a:solidFill>
@@ -10698,8 +10501,100 @@
           </p:txBody>
         </p:sp>
       </p:grpSp>
+      <p:sp>
+        <p:nvSpPr>
+          <p:cNvPr id="239" name="No name">
+            <a:extLst>
+              <a:ext uri="{FF2B5EF4-FFF2-40B4-BE49-F238E27FC236}">
+                <a16:creationId xmlns:a16="http://schemas.microsoft.com/office/drawing/2014/main" id="{BDBDA84A-A144-B302-6957-57A1AE2DC028}"/>
+              </a:ext>
+            </a:extLst>
+          </p:cNvPr>
+          <p:cNvSpPr/>
+          <p:nvPr/>
+        </p:nvSpPr>
+        <p:spPr>
+          <a:xfrm rot="18884604">
+            <a:off x="4724656" y="1239587"/>
+            <a:ext cx="137225" cy="88643"/>
+          </a:xfrm>
+          <a:custGeom>
+            <a:avLst/>
+            <a:gdLst/>
+            <a:ahLst/>
+            <a:cxnLst/>
+            <a:rect l="l" t="t" r="r" b="b"/>
+            <a:pathLst>
+              <a:path w="137225" h="88643">
+                <a:moveTo>
+                  <a:pt x="0" y="0"/>
+                </a:moveTo>
+                <a:lnTo>
+                  <a:pt x="0" y="88643"/>
+                </a:lnTo>
+                <a:lnTo>
+                  <a:pt x="137225" y="88643"/>
+                </a:lnTo>
+                <a:lnTo>
+                  <a:pt x="137225" y="0"/>
+                </a:lnTo>
+                <a:lnTo>
+                  <a:pt x="0" y="0"/>
+                </a:lnTo>
+                <a:close/>
+                <a:moveTo>
+                  <a:pt x="137225" y="22161"/>
+                </a:moveTo>
+                <a:lnTo>
+                  <a:pt x="137225" y="66482"/>
+                </a:lnTo>
+                <a:lnTo>
+                  <a:pt x="182962" y="66482"/>
+                </a:lnTo>
+                <a:lnTo>
+                  <a:pt x="182962" y="22161"/>
+                </a:lnTo>
+                <a:lnTo>
+                  <a:pt x="137225" y="22161"/>
+                </a:lnTo>
+              </a:path>
+            </a:pathLst>
+          </a:custGeom>
+          <a:solidFill>
+            <a:srgbClr val="FFFFFF">
+              <a:alpha val="100000"/>
+            </a:srgbClr>
+          </a:solidFill>
+          <a:ln w="3600" cap="rnd">
+            <a:solidFill>
+              <a:srgbClr val="FF0000"/>
+            </a:solidFill>
+            <a:headEnd type="none" w="med" len="med"/>
+            <a:tailEnd type="none" w="med" len="med"/>
+          </a:ln>
+        </p:spPr>
+        <p:style>
+          <a:lnRef idx="2">
+            <a:schemeClr val="accent1">
+              <a:shade val="50000"/>
+            </a:schemeClr>
+          </a:lnRef>
+          <a:fillRef idx="1">
+            <a:schemeClr val="accent1"/>
+          </a:fillRef>
+          <a:effectRef idx="0">
+            <a:schemeClr val="accent1"/>
+          </a:effectRef>
+          <a:fontRef idx="minor">
+            <a:schemeClr val="lt1"/>
+          </a:fontRef>
+        </p:style>
+      </p:sp>
     </p:spTree>
   </p:cSld>
+  <p:clrMapOvr>
+    <a:masterClrMapping/>
+  </p:clrMapOvr>
 </p:sld>
 </file>
 
